--- a/Sistēmu programmēšanas» Sesijas eksāmens.pptx
+++ b/Sistēmu programmēšanas» Sesijas eksāmens.pptx
@@ -9287,19 +9287,19 @@
           <a:p>
             <a:r>
               <a:rPr lang="lv-LV" dirty="0"/>
-              <a:t>Izveidot elektronisko testu – 4 stundas</a:t>
+              <a:t>Izveidot elektronisko testu – 5 stundas</a:t>
             </a:r>
           </a:p>
           <a:p>
             <a:r>
               <a:rPr lang="lv-LV" dirty="0"/>
-              <a:t>Izveidot testpiemērus – 4 stundas</a:t>
+              <a:t>Izveidot testpiemērus – 6 stundas</a:t>
             </a:r>
           </a:p>
           <a:p>
             <a:r>
               <a:rPr lang="lv-LV" dirty="0"/>
-              <a:t>Kopā : 13 stundas</a:t>
+              <a:t>Kopā : 16 stundas</a:t>
             </a:r>
           </a:p>
         </p:txBody>
